--- a/documentation/system_docs.pptx
+++ b/documentation/system_docs.pptx
@@ -3778,7 +3778,7 @@
             <a:pPr algn="just" rtl="0"/>
             <a:r>
               <a:rPr lang="en-US" sz="3200" dirty="0" smtClean="0"/>
-              <a:t>We used a nested query and group by.</a:t>
+              <a:t>We used a nested query, group by and having.</a:t>
             </a:r>
           </a:p>
           <a:p>
@@ -5737,7 +5737,7 @@
             <a:pPr algn="just" rtl="0"/>
             <a:r>
               <a:rPr lang="en-US" sz="3200" dirty="0" smtClean="0"/>
-              <a:t>We used MATCH ... AGAINST as we saw in the recitation.</a:t>
+              <a:t>We used match ... against as we saw in the recitation.</a:t>
             </a:r>
           </a:p>
           <a:p>
